--- a/kafka-summit-AML-version2.pptx
+++ b/kafka-summit-AML-version2.pptx
@@ -5,7 +5,7 @@
     <p:sldMasterId id="2147483648" r:id="rId1"/>
   </p:sldMasterIdLst>
   <p:notesMasterIdLst>
-    <p:notesMasterId r:id="rId27"/>
+    <p:notesMasterId r:id="rId26"/>
   </p:notesMasterIdLst>
   <p:sldIdLst>
     <p:sldId id="263" r:id="rId2"/>
@@ -30,9 +30,8 @@
     <p:sldId id="365" r:id="rId21"/>
     <p:sldId id="354" r:id="rId22"/>
     <p:sldId id="367" r:id="rId23"/>
-    <p:sldId id="355" r:id="rId24"/>
-    <p:sldId id="360" r:id="rId25"/>
-    <p:sldId id="366" r:id="rId26"/>
+    <p:sldId id="360" r:id="rId24"/>
+    <p:sldId id="366" r:id="rId25"/>
   </p:sldIdLst>
   <p:sldSz cx="12192000" cy="6858000"/>
   <p:notesSz cx="6858000" cy="9144000"/>
@@ -221,7 +220,7 @@
           <a:p>
             <a:fld id="{1A376ABD-C746-5F4A-ABB8-FF5F9E1789F6}" type="datetimeFigureOut">
               <a:rPr lang="en-US" smtClean="0"/>
-              <a:t>4/10/18</a:t>
+              <a:t>4/14/18</a:t>
             </a:fld>
             <a:endParaRPr lang="en-US"/>
           </a:p>
@@ -2979,7 +2978,6 @@
               <a:rPr lang="sv-SE" dirty="0" smtClean="0"/>
               <a:t>.</a:t>
             </a:r>
-            <a:endParaRPr lang="sv-SE" dirty="0" smtClean="0"/>
           </a:p>
           <a:p>
             <a:pPr marL="171450" indent="-171450">
@@ -3150,13 +3148,8 @@
             </a:r>
             <a:r>
               <a:rPr lang="sv-SE" baseline="0" dirty="0" smtClean="0"/>
-              <a:t> it</a:t>
-            </a:r>
-            <a:r>
-              <a:rPr lang="sv-SE" baseline="0" dirty="0" smtClean="0"/>
-              <a:t>.</a:t>
-            </a:r>
-            <a:endParaRPr lang="sv-SE" baseline="0" dirty="0" smtClean="0"/>
+              <a:t> it.</a:t>
+            </a:r>
           </a:p>
         </p:txBody>
       </p:sp>
@@ -3250,11 +3243,7 @@
             </a:r>
             <a:r>
               <a:rPr lang="sv-SE" dirty="0" smtClean="0"/>
-              <a:t> process</a:t>
-            </a:r>
-            <a:r>
-              <a:rPr lang="sv-SE" dirty="0" smtClean="0"/>
-              <a:t>.</a:t>
+              <a:t> process.</a:t>
             </a:r>
           </a:p>
           <a:p>
@@ -3286,7 +3275,6 @@
               <a:rPr lang="sv-SE" dirty="0" smtClean="0"/>
               <a:t>.</a:t>
             </a:r>
-            <a:endParaRPr lang="sv-SE" dirty="0" smtClean="0"/>
           </a:p>
         </p:txBody>
       </p:sp>
@@ -3770,11 +3758,7 @@
             </a:r>
             <a:r>
               <a:rPr lang="sv-SE" baseline="0" dirty="0" smtClean="0"/>
-              <a:t> terminals in Brazil</a:t>
-            </a:r>
-            <a:r>
-              <a:rPr lang="sv-SE" baseline="0" dirty="0" smtClean="0"/>
-              <a:t>.</a:t>
+              <a:t> terminals in Brazil.</a:t>
             </a:r>
           </a:p>
           <a:p>
@@ -3872,7 +3856,6 @@
               <a:rPr lang="sv-SE" baseline="0" dirty="0" smtClean="0"/>
               <a:t>.</a:t>
             </a:r>
-            <a:endParaRPr lang="sv-SE" baseline="0" dirty="0" smtClean="0"/>
           </a:p>
           <a:p>
             <a:pPr marL="628650" lvl="1" indent="-171450">
@@ -7325,7 +7308,11 @@
             </a:r>
             <a:r>
               <a:rPr lang="sv-SE" baseline="0" dirty="0" smtClean="0"/>
-              <a:t> problem </a:t>
+              <a:t> </a:t>
+            </a:r>
+            <a:r>
+              <a:rPr lang="sv-SE" baseline="0" dirty="0" smtClean="0"/>
+              <a:t>the problem </a:t>
             </a:r>
             <a:r>
               <a:rPr lang="sv-SE" baseline="0" dirty="0" err="1" smtClean="0"/>
@@ -7341,7 +7328,221 @@
             </a:r>
             <a:r>
               <a:rPr lang="sv-SE" baseline="0" dirty="0" smtClean="0"/>
-              <a:t>.</a:t>
+              <a:t> </a:t>
+            </a:r>
+            <a:r>
+              <a:rPr lang="sv-SE" baseline="0" dirty="0" err="1" smtClean="0"/>
+              <a:t>that</a:t>
+            </a:r>
+            <a:r>
+              <a:rPr lang="sv-SE" baseline="0" dirty="0" smtClean="0"/>
+              <a:t> </a:t>
+            </a:r>
+            <a:r>
+              <a:rPr lang="sv-SE" baseline="0" dirty="0" err="1" smtClean="0"/>
+              <a:t>we</a:t>
+            </a:r>
+            <a:r>
+              <a:rPr lang="sv-SE" baseline="0" dirty="0" smtClean="0"/>
+              <a:t> </a:t>
+            </a:r>
+            <a:r>
+              <a:rPr lang="sv-SE" baseline="0" dirty="0" err="1" smtClean="0"/>
+              <a:t>had</a:t>
+            </a:r>
+            <a:r>
+              <a:rPr lang="sv-SE" baseline="0" dirty="0" smtClean="0"/>
+              <a:t> </a:t>
+            </a:r>
+            <a:r>
+              <a:rPr lang="sv-SE" baseline="0" dirty="0" err="1" smtClean="0"/>
+              <a:t>earlier</a:t>
+            </a:r>
+            <a:r>
+              <a:rPr lang="sv-SE" baseline="0" dirty="0" smtClean="0"/>
+              <a:t>. </a:t>
+            </a:r>
+          </a:p>
+          <a:p>
+            <a:pPr marL="171450" indent="-171450">
+              <a:buFont typeface="Arial" charset="0"/>
+              <a:buChar char="•"/>
+            </a:pPr>
+            <a:r>
+              <a:rPr lang="sv-SE" baseline="0" dirty="0" err="1" smtClean="0"/>
+              <a:t>We</a:t>
+            </a:r>
+            <a:r>
+              <a:rPr lang="sv-SE" baseline="0" dirty="0" smtClean="0"/>
+              <a:t> </a:t>
+            </a:r>
+            <a:r>
+              <a:rPr lang="sv-SE" baseline="0" dirty="0" err="1" smtClean="0"/>
+              <a:t>can</a:t>
+            </a:r>
+            <a:r>
+              <a:rPr lang="sv-SE" baseline="0" dirty="0" smtClean="0"/>
+              <a:t> monitor the </a:t>
+            </a:r>
+            <a:r>
+              <a:rPr lang="sv-SE" baseline="0" dirty="0" err="1" smtClean="0"/>
+              <a:t>tecnical</a:t>
+            </a:r>
+            <a:r>
+              <a:rPr lang="sv-SE" baseline="0" dirty="0" smtClean="0"/>
+              <a:t> </a:t>
+            </a:r>
+            <a:r>
+              <a:rPr lang="sv-SE" baseline="0" dirty="0" err="1" smtClean="0"/>
+              <a:t>architecture</a:t>
+            </a:r>
+            <a:r>
+              <a:rPr lang="sv-SE" baseline="0" dirty="0" smtClean="0"/>
+              <a:t> </a:t>
+            </a:r>
+            <a:r>
+              <a:rPr lang="sv-SE" baseline="0" dirty="0" err="1" smtClean="0"/>
+              <a:t>out</a:t>
+            </a:r>
+            <a:r>
+              <a:rPr lang="sv-SE" baseline="0" dirty="0" smtClean="0"/>
+              <a:t> from the </a:t>
+            </a:r>
+            <a:r>
+              <a:rPr lang="sv-SE" baseline="0" dirty="0" err="1" smtClean="0"/>
+              <a:t>dataflow</a:t>
+            </a:r>
+            <a:r>
+              <a:rPr lang="sv-SE" baseline="0" dirty="0" smtClean="0"/>
+              <a:t>. </a:t>
+            </a:r>
+          </a:p>
+          <a:p>
+            <a:pPr marL="171450" indent="-171450">
+              <a:buFont typeface="Arial" charset="0"/>
+              <a:buChar char="•"/>
+            </a:pPr>
+            <a:r>
+              <a:rPr lang="sv-SE" baseline="0" dirty="0" err="1" smtClean="0"/>
+              <a:t>Aswell</a:t>
+            </a:r>
+            <a:r>
+              <a:rPr lang="sv-SE" baseline="0" dirty="0" smtClean="0"/>
+              <a:t> as a BI </a:t>
+            </a:r>
+            <a:r>
+              <a:rPr lang="sv-SE" baseline="0" dirty="0" err="1" smtClean="0"/>
+              <a:t>point</a:t>
+            </a:r>
+            <a:r>
+              <a:rPr lang="sv-SE" baseline="0" dirty="0" smtClean="0"/>
+              <a:t> </a:t>
+            </a:r>
+            <a:r>
+              <a:rPr lang="sv-SE" baseline="0" dirty="0" err="1" smtClean="0"/>
+              <a:t>of</a:t>
+            </a:r>
+            <a:r>
+              <a:rPr lang="sv-SE" baseline="0" dirty="0" smtClean="0"/>
+              <a:t> </a:t>
+            </a:r>
+            <a:r>
+              <a:rPr lang="sv-SE" baseline="0" dirty="0" err="1" smtClean="0"/>
+              <a:t>view</a:t>
+            </a:r>
+            <a:r>
+              <a:rPr lang="sv-SE" baseline="0" dirty="0" smtClean="0"/>
+              <a:t> </a:t>
+            </a:r>
+            <a:r>
+              <a:rPr lang="sv-SE" baseline="0" dirty="0" err="1" smtClean="0"/>
+              <a:t>with</a:t>
+            </a:r>
+            <a:r>
+              <a:rPr lang="sv-SE" baseline="0" smtClean="0"/>
+              <a:t> business data. </a:t>
+            </a:r>
+            <a:endParaRPr lang="sv-SE" baseline="0" dirty="0" smtClean="0"/>
+          </a:p>
+          <a:p>
+            <a:endParaRPr lang="sv-SE" baseline="0" dirty="0" smtClean="0"/>
+          </a:p>
+          <a:p>
+            <a:r>
+              <a:rPr lang="sv-SE" baseline="0" dirty="0" smtClean="0"/>
+              <a:t>As a </a:t>
+            </a:r>
+            <a:r>
+              <a:rPr lang="sv-SE" baseline="0" dirty="0" err="1" smtClean="0"/>
+              <a:t>sideeffect</a:t>
+            </a:r>
+            <a:r>
+              <a:rPr lang="sv-SE" baseline="0" dirty="0" smtClean="0"/>
+              <a:t> it gives </a:t>
+            </a:r>
+            <a:r>
+              <a:rPr lang="sv-SE" baseline="0" dirty="0" err="1" smtClean="0"/>
+              <a:t>us</a:t>
+            </a:r>
+            <a:r>
+              <a:rPr lang="sv-SE" baseline="0" dirty="0" smtClean="0"/>
+              <a:t> </a:t>
+            </a:r>
+            <a:r>
+              <a:rPr lang="sv-SE" baseline="0" dirty="0" err="1" smtClean="0"/>
+              <a:t>flexibility</a:t>
+            </a:r>
+            <a:r>
+              <a:rPr lang="sv-SE" baseline="0" dirty="0" smtClean="0"/>
+              <a:t> to </a:t>
+            </a:r>
+            <a:r>
+              <a:rPr lang="sv-SE" baseline="0" dirty="0" err="1" smtClean="0"/>
+              <a:t>add</a:t>
+            </a:r>
+            <a:r>
+              <a:rPr lang="sv-SE" baseline="0" dirty="0" smtClean="0"/>
+              <a:t> new </a:t>
+            </a:r>
+            <a:r>
+              <a:rPr lang="sv-SE" baseline="0" dirty="0" err="1" smtClean="0"/>
+              <a:t>apps</a:t>
+            </a:r>
+            <a:r>
+              <a:rPr lang="sv-SE" baseline="0" dirty="0" smtClean="0"/>
+              <a:t> later. </a:t>
+            </a:r>
+            <a:r>
+              <a:rPr lang="sv-SE" baseline="0" dirty="0" err="1" smtClean="0"/>
+              <a:t>Which</a:t>
+            </a:r>
+            <a:r>
+              <a:rPr lang="sv-SE" baseline="0" dirty="0" smtClean="0"/>
+              <a:t> is in </a:t>
+            </a:r>
+            <a:r>
+              <a:rPr lang="sv-SE" baseline="0" dirty="0" err="1" smtClean="0"/>
+              <a:t>line</a:t>
+            </a:r>
+            <a:r>
+              <a:rPr lang="sv-SE" baseline="0" dirty="0" smtClean="0"/>
+              <a:t> </a:t>
+            </a:r>
+            <a:r>
+              <a:rPr lang="sv-SE" baseline="0" dirty="0" err="1" smtClean="0"/>
+              <a:t>with</a:t>
+            </a:r>
+            <a:r>
+              <a:rPr lang="sv-SE" baseline="0" dirty="0" smtClean="0"/>
+              <a:t> the business plan to </a:t>
+            </a:r>
+            <a:r>
+              <a:rPr lang="sv-SE" baseline="0" dirty="0" err="1" smtClean="0"/>
+              <a:t>grow</a:t>
+            </a:r>
+            <a:r>
+              <a:rPr lang="sv-SE" baseline="0" dirty="0" smtClean="0"/>
+              <a:t>. </a:t>
             </a:r>
           </a:p>
           <a:p>
@@ -7349,6 +7550,86 @@
               <a:rPr lang="sv-SE" baseline="0" dirty="0" smtClean="0"/>
               <a:t>Etc.</a:t>
             </a:r>
+          </a:p>
+          <a:p>
+            <a:endParaRPr lang="sv-SE" baseline="0" dirty="0" smtClean="0"/>
+          </a:p>
+          <a:p>
+            <a:pPr marL="285750" indent="-285750">
+              <a:buFont typeface="Arial" charset="0"/>
+              <a:buChar char="•"/>
+            </a:pPr>
+            <a:r>
+              <a:rPr lang="sv-SE" dirty="0" err="1" smtClean="0"/>
+              <a:t>Build</a:t>
+            </a:r>
+            <a:r>
+              <a:rPr lang="sv-SE" dirty="0" smtClean="0"/>
+              <a:t> for the </a:t>
+            </a:r>
+            <a:r>
+              <a:rPr lang="sv-SE" dirty="0" err="1" smtClean="0"/>
+              <a:t>future</a:t>
+            </a:r>
+            <a:endParaRPr lang="sv-SE" dirty="0" smtClean="0"/>
+          </a:p>
+          <a:p>
+            <a:pPr marL="285750" indent="-285750">
+              <a:buFont typeface="Arial" charset="0"/>
+              <a:buChar char="•"/>
+            </a:pPr>
+            <a:r>
+              <a:rPr lang="sv-SE" dirty="0" err="1" smtClean="0"/>
+              <a:t>Flexibility</a:t>
+            </a:r>
+            <a:endParaRPr lang="sv-SE" dirty="0" smtClean="0"/>
+          </a:p>
+          <a:p>
+            <a:pPr marL="285750" indent="-285750">
+              <a:buFont typeface="Arial" charset="0"/>
+              <a:buChar char="•"/>
+            </a:pPr>
+            <a:r>
+              <a:rPr lang="sv-SE" dirty="0" err="1" smtClean="0"/>
+              <a:t>Scalability</a:t>
+            </a:r>
+            <a:r>
+              <a:rPr lang="sv-SE" dirty="0" smtClean="0"/>
+              <a:t> </a:t>
+            </a:r>
+            <a:r>
+              <a:rPr lang="sv-SE" dirty="0" err="1" smtClean="0"/>
+              <a:t>through</a:t>
+            </a:r>
+            <a:r>
+              <a:rPr lang="sv-SE" dirty="0" smtClean="0"/>
+              <a:t> Kafka cluster in </a:t>
+            </a:r>
+            <a:r>
+              <a:rPr lang="sv-SE" dirty="0" err="1" smtClean="0"/>
+              <a:t>place</a:t>
+            </a:r>
+            <a:endParaRPr lang="sv-SE" dirty="0" smtClean="0"/>
+          </a:p>
+          <a:p>
+            <a:pPr marL="285750" indent="-285750">
+              <a:buFont typeface="Arial" charset="0"/>
+              <a:buChar char="•"/>
+            </a:pPr>
+            <a:r>
+              <a:rPr lang="sv-SE" dirty="0" smtClean="0"/>
+              <a:t>Business </a:t>
+            </a:r>
+            <a:r>
+              <a:rPr lang="sv-SE" dirty="0" err="1" smtClean="0"/>
+              <a:t>growth</a:t>
+            </a:r>
+            <a:r>
+              <a:rPr lang="sv-SE" dirty="0" smtClean="0"/>
+              <a:t> </a:t>
+            </a:r>
+          </a:p>
+          <a:p>
             <a:endParaRPr lang="sv-SE" dirty="0"/>
           </a:p>
         </p:txBody>
@@ -7682,7 +7963,7 @@
           <a:p>
             <a:fld id="{F3D1F925-BFA2-264B-AE5B-B0906316BC34}" type="slidenum">
               <a:rPr lang="en-US" smtClean="0"/>
-              <a:t>24</a:t>
+              <a:t>23</a:t>
             </a:fld>
             <a:endParaRPr lang="en-US"/>
           </a:p>
@@ -7766,7 +8047,7 @@
           <a:p>
             <a:fld id="{F3D1F925-BFA2-264B-AE5B-B0906316BC34}" type="slidenum">
               <a:rPr lang="en-US" smtClean="0"/>
-              <a:t>25</a:t>
+              <a:t>24</a:t>
             </a:fld>
             <a:endParaRPr lang="en-US"/>
           </a:p>
@@ -20016,11 +20297,7 @@
             </a:r>
             <a:r>
               <a:rPr lang="sv-SE" dirty="0" smtClean="0"/>
-              <a:t> process</a:t>
-            </a:r>
-            <a:r>
-              <a:rPr lang="sv-SE" dirty="0" smtClean="0"/>
-              <a:t>?</a:t>
+              <a:t> process?</a:t>
             </a:r>
           </a:p>
           <a:p>
@@ -23003,7 +23280,7 @@
         </p:nvSpPr>
         <p:spPr>
           <a:xfrm>
-            <a:off x="8380599" y="2768739"/>
+            <a:off x="8493772" y="2743098"/>
             <a:ext cx="1371012" cy="652164"/>
           </a:xfrm>
           <a:prstGeom prst="rect">
@@ -23163,7 +23440,7 @@
         </p:nvSpPr>
         <p:spPr>
           <a:xfrm>
-            <a:off x="8380599" y="4056754"/>
+            <a:off x="8493772" y="4031113"/>
             <a:ext cx="1371012" cy="652164"/>
           </a:xfrm>
           <a:prstGeom prst="rect">
@@ -23246,7 +23523,7 @@
         </p:blipFill>
         <p:spPr>
           <a:xfrm>
-            <a:off x="1207329" y="1798650"/>
+            <a:off x="3431915" y="1472568"/>
             <a:ext cx="3228194" cy="3228194"/>
           </a:xfrm>
           <a:prstGeom prst="rect">
@@ -23262,7 +23539,7 @@
         </p:nvCxnSpPr>
         <p:spPr>
           <a:xfrm flipH="1">
-            <a:off x="7192370" y="1824291"/>
+            <a:off x="7305543" y="1798650"/>
             <a:ext cx="996287" cy="709880"/>
           </a:xfrm>
           <a:prstGeom prst="straightConnector1">
@@ -23296,7 +23573,7 @@
         </p:nvCxnSpPr>
         <p:spPr>
           <a:xfrm flipH="1" flipV="1">
-            <a:off x="7228923" y="3804701"/>
+            <a:off x="7342096" y="3779060"/>
             <a:ext cx="959734" cy="578135"/>
           </a:xfrm>
           <a:prstGeom prst="straightConnector1">
@@ -23330,7 +23607,7 @@
         </p:nvCxnSpPr>
         <p:spPr>
           <a:xfrm flipH="1">
-            <a:off x="7391136" y="3170022"/>
+            <a:off x="7504309" y="3144381"/>
             <a:ext cx="797521" cy="96582"/>
           </a:xfrm>
           <a:prstGeom prst="straightConnector1">
@@ -23377,198 +23654,6 @@
 </file>
 
 <file path=ppt/slides/slide23.xml><?xml version="1.0" encoding="utf-8"?>
-<p:sld xmlns:a="http://schemas.openxmlformats.org/drawingml/2006/main" xmlns:r="http://schemas.openxmlformats.org/officeDocument/2006/relationships" xmlns:p="http://schemas.openxmlformats.org/presentationml/2006/main">
-  <p:cSld>
-    <p:spTree>
-      <p:nvGrpSpPr>
-        <p:cNvPr id="1" name=""/>
-        <p:cNvGrpSpPr/>
-        <p:nvPr/>
-      </p:nvGrpSpPr>
-      <p:grpSpPr>
-        <a:xfrm>
-          <a:off x="0" y="0"/>
-          <a:ext cx="0" cy="0"/>
-          <a:chOff x="0" y="0"/>
-          <a:chExt cx="0" cy="0"/>
-        </a:xfrm>
-      </p:grpSpPr>
-      <p:sp>
-        <p:nvSpPr>
-          <p:cNvPr id="2" name="Platshållare för bildnummer 1"/>
-          <p:cNvSpPr>
-            <a:spLocks noGrp="1"/>
-          </p:cNvSpPr>
-          <p:nvPr>
-            <p:ph type="sldNum" sz="quarter" idx="12"/>
-          </p:nvPr>
-        </p:nvSpPr>
-        <p:spPr/>
-        <p:txBody>
-          <a:bodyPr/>
-          <a:lstStyle/>
-          <a:p>
-            <a:fld id="{6332AF82-E98F-8C47-B5BC-EDAF4B2AF6A5}" type="slidenum">
-              <a:rPr lang="en-US" smtClean="0"/>
-              <a:t>23</a:t>
-            </a:fld>
-            <a:endParaRPr lang="en-US"/>
-          </a:p>
-        </p:txBody>
-      </p:sp>
-      <p:sp>
-        <p:nvSpPr>
-          <p:cNvPr id="3" name="Rubrik 2"/>
-          <p:cNvSpPr>
-            <a:spLocks noGrp="1"/>
-          </p:cNvSpPr>
-          <p:nvPr>
-            <p:ph type="title"/>
-          </p:nvPr>
-        </p:nvSpPr>
-        <p:spPr/>
-        <p:txBody>
-          <a:bodyPr>
-            <a:normAutofit fontScale="90000"/>
-          </a:bodyPr>
-          <a:lstStyle/>
-          <a:p>
-            <a:r>
-              <a:rPr lang="sv-SE" dirty="0" smtClean="0"/>
-              <a:t>Implementation </a:t>
-            </a:r>
-            <a:r>
-              <a:rPr lang="sv-SE" dirty="0" err="1" smtClean="0"/>
-              <a:t>goals</a:t>
-            </a:r>
-            <a:r>
-              <a:rPr lang="sv-SE" dirty="0" smtClean="0"/>
-              <a:t>.</a:t>
-            </a:r>
-            <a:endParaRPr lang="sv-SE" dirty="0"/>
-          </a:p>
-        </p:txBody>
-      </p:sp>
-      <p:sp>
-        <p:nvSpPr>
-          <p:cNvPr id="4" name="textruta 3"/>
-          <p:cNvSpPr txBox="1"/>
-          <p:nvPr/>
-        </p:nvSpPr>
-        <p:spPr>
-          <a:xfrm>
-            <a:off x="539750" y="1765300"/>
-            <a:ext cx="10885488" cy="1200329"/>
-          </a:xfrm>
-          <a:prstGeom prst="rect">
-            <a:avLst/>
-          </a:prstGeom>
-          <a:noFill/>
-        </p:spPr>
-        <p:txBody>
-          <a:bodyPr wrap="square" rtlCol="0">
-            <a:spAutoFit/>
-          </a:bodyPr>
-          <a:lstStyle/>
-          <a:p>
-            <a:pPr marL="285750" indent="-285750">
-              <a:buFont typeface="Arial" charset="0"/>
-              <a:buChar char="•"/>
-            </a:pPr>
-            <a:r>
-              <a:rPr lang="sv-SE" dirty="0" err="1" smtClean="0"/>
-              <a:t>Build</a:t>
-            </a:r>
-            <a:r>
-              <a:rPr lang="sv-SE" dirty="0" smtClean="0"/>
-              <a:t> for the </a:t>
-            </a:r>
-            <a:r>
-              <a:rPr lang="sv-SE" dirty="0" err="1" smtClean="0"/>
-              <a:t>future</a:t>
-            </a:r>
-            <a:endParaRPr lang="sv-SE" dirty="0" smtClean="0"/>
-          </a:p>
-          <a:p>
-            <a:pPr marL="285750" indent="-285750">
-              <a:buFont typeface="Arial" charset="0"/>
-              <a:buChar char="•"/>
-            </a:pPr>
-            <a:r>
-              <a:rPr lang="sv-SE" dirty="0" err="1" smtClean="0"/>
-              <a:t>Flexibility</a:t>
-            </a:r>
-            <a:endParaRPr lang="sv-SE" dirty="0" smtClean="0"/>
-          </a:p>
-          <a:p>
-            <a:pPr marL="285750" indent="-285750">
-              <a:buFont typeface="Arial" charset="0"/>
-              <a:buChar char="•"/>
-            </a:pPr>
-            <a:r>
-              <a:rPr lang="sv-SE" dirty="0" err="1" smtClean="0"/>
-              <a:t>Scalability</a:t>
-            </a:r>
-            <a:r>
-              <a:rPr lang="sv-SE" dirty="0" smtClean="0"/>
-              <a:t> </a:t>
-            </a:r>
-            <a:r>
-              <a:rPr lang="sv-SE" dirty="0" err="1" smtClean="0"/>
-              <a:t>through</a:t>
-            </a:r>
-            <a:r>
-              <a:rPr lang="sv-SE" dirty="0" smtClean="0"/>
-              <a:t> Kafka cluster in </a:t>
-            </a:r>
-            <a:r>
-              <a:rPr lang="sv-SE" dirty="0" err="1" smtClean="0"/>
-              <a:t>place</a:t>
-            </a:r>
-            <a:endParaRPr lang="sv-SE" dirty="0" smtClean="0"/>
-          </a:p>
-          <a:p>
-            <a:pPr marL="285750" indent="-285750">
-              <a:buFont typeface="Arial" charset="0"/>
-              <a:buChar char="•"/>
-            </a:pPr>
-            <a:r>
-              <a:rPr lang="sv-SE" dirty="0" smtClean="0"/>
-              <a:t>Business </a:t>
-            </a:r>
-            <a:r>
-              <a:rPr lang="sv-SE" dirty="0" err="1" smtClean="0"/>
-              <a:t>growth</a:t>
-            </a:r>
-            <a:r>
-              <a:rPr lang="sv-SE" dirty="0" smtClean="0"/>
-              <a:t> </a:t>
-            </a:r>
-            <a:endParaRPr lang="sv-SE" dirty="0"/>
-          </a:p>
-        </p:txBody>
-      </p:sp>
-    </p:spTree>
-    <p:extLst>
-      <p:ext uri="{BB962C8B-B14F-4D97-AF65-F5344CB8AC3E}">
-        <p14:creationId xmlns:p14="http://schemas.microsoft.com/office/powerpoint/2010/main" val="272728636"/>
-      </p:ext>
-    </p:extLst>
-  </p:cSld>
-  <p:clrMapOvr>
-    <a:masterClrMapping/>
-  </p:clrMapOvr>
-  <p:timing>
-    <p:tnLst>
-      <p:par>
-        <p:cTn id="1" dur="indefinite" restart="never" nodeType="tmRoot"/>
-      </p:par>
-    </p:tnLst>
-  </p:timing>
-</p:sld>
-</file>
-
-<file path=ppt/slides/slide24.xml><?xml version="1.0" encoding="utf-8"?>
 <p:sld xmlns:a="http://schemas.openxmlformats.org/drawingml/2006/main" xmlns:r="http://schemas.openxmlformats.org/officeDocument/2006/relationships" xmlns:p="http://schemas.openxmlformats.org/presentationml/2006/main" show="0">
   <p:cSld>
     <p:spTree>
@@ -24631,7 +24716,7 @@
           <a:p>
             <a:fld id="{6332AF82-E98F-8C47-B5BC-EDAF4B2AF6A5}" type="slidenum">
               <a:rPr lang="en-US" smtClean="0"/>
-              <a:t>24</a:t>
+              <a:t>23</a:t>
             </a:fld>
             <a:endParaRPr lang="en-US"/>
           </a:p>
@@ -24797,7 +24882,7 @@
 </p:sld>
 </file>
 
-<file path=ppt/slides/slide25.xml><?xml version="1.0" encoding="utf-8"?>
+<file path=ppt/slides/slide24.xml><?xml version="1.0" encoding="utf-8"?>
 <p:sld xmlns:a="http://schemas.openxmlformats.org/drawingml/2006/main" xmlns:r="http://schemas.openxmlformats.org/officeDocument/2006/relationships" xmlns:p="http://schemas.openxmlformats.org/presentationml/2006/main">
   <p:cSld>
     <p:spTree>
@@ -24866,7 +24951,7 @@
             </a:pPr>
             <a:fld id="{21987273-BE94-984A-B105-CE7120D57418}" type="datetime1">
               <a:rPr lang="sv-SE" smtClean="0"/>
-              <a:t>2018-04-10</a:t>
+              <a:t>2018-04-14</a:t>
             </a:fld>
             <a:endParaRPr lang="sv-SE" dirty="0"/>
           </a:p>
@@ -24929,7 +25014,7 @@
               <a:pPr>
                 <a:defRPr/>
               </a:pPr>
-              <a:t>25</a:t>
+              <a:t>24</a:t>
             </a:fld>
             <a:endParaRPr lang="sv-SE" dirty="0"/>
           </a:p>
